--- a/Complimentary Course Content/Module4/Lessons/Module4_Lesson07 Working with Hive Tables.pptx
+++ b/Complimentary Course Content/Module4/Lessons/Module4_Lesson07 Working with Hive Tables.pptx
@@ -135,7 +135,7 @@
   </p:defaultTextStyle>
   <p:extLst>
     <p:ext uri="{EFAFB233-063F-42B5-8137-9DF3F51BA10A}">
-      <p15:sldGuideLst xmlns:p15="http://schemas.microsoft.com/office/powerpoint/2012/main" xmlns=""/>
+      <p15:sldGuideLst xmlns="" xmlns:p15="http://schemas.microsoft.com/office/powerpoint/2012/main"/>
     </p:ext>
   </p:extLst>
 </p:presentation>
@@ -224,7 +224,7 @@
             <a:fld id="{49B60EF2-7028-489F-85D8-FE86CD7CF2A0}" type="datetimeFigureOut">
               <a:rPr lang="en-US" smtClean="0"/>
               <a:pPr/>
-              <a:t>6/23/16</a:t>
+              <a:t>7/13/16</a:t>
             </a:fld>
             <a:endParaRPr lang="en-US"/>
           </a:p>
@@ -3561,15 +3561,7 @@
             </a:pPr>
             <a:r>
               <a:rPr lang="en-US" b="0" baseline="0" dirty="0" smtClean="0"/>
-              <a:t>The Module 4 </a:t>
-            </a:r>
-            <a:r>
-              <a:rPr lang="en-US" b="0" baseline="0" smtClean="0"/>
-              <a:t>Lesson 7 Lab </a:t>
-            </a:r>
-            <a:r>
-              <a:rPr lang="en-US" b="0" baseline="0" dirty="0" smtClean="0"/>
-              <a:t>should be completed at this time:</a:t>
+              <a:t>The Module 4 Lesson 7 Lab should be completed at this time:</a:t>
             </a:r>
           </a:p>
           <a:p>
@@ -3602,11 +3594,9 @@
               <a:t>computerscience</a:t>
             </a:r>
             <a:r>
-              <a:rPr lang="en-US" b="0" baseline="0" dirty="0" smtClean="0"/>
-              <a:t>/tree/master/Instructor-Led/Module4/Labs/</a:t>
-            </a:r>
-          </a:p>
-          <a:p>
+              <a:rPr lang="en-US" b="0" baseline="0" smtClean="0"/>
+              <a:t>/tree/master/Complimentary%20Course%20Content/Module4/Labs</a:t>
+            </a:r>
             <a:endParaRPr lang="ko-KR" altLang="en-US" dirty="0"/>
           </a:p>
         </p:txBody>
@@ -4819,7 +4809,7 @@
             <a:fld id="{0459C166-16D3-4A25-A2F8-C51E0E346B22}" type="datetimeFigureOut">
               <a:rPr lang="en-US" smtClean="0"/>
               <a:pPr/>
-              <a:t>6/23/16</a:t>
+              <a:t>7/13/16</a:t>
             </a:fld>
             <a:endParaRPr lang="en-US"/>
           </a:p>
@@ -5185,7 +5175,7 @@
             <a:fld id="{0459C166-16D3-4A25-A2F8-C51E0E346B22}" type="datetimeFigureOut">
               <a:rPr lang="en-US" smtClean="0"/>
               <a:pPr/>
-              <a:t>6/23/16</a:t>
+              <a:t>7/13/16</a:t>
             </a:fld>
             <a:endParaRPr lang="en-US"/>
           </a:p>
@@ -5304,7 +5294,7 @@
             <a:fld id="{0459C166-16D3-4A25-A2F8-C51E0E346B22}" type="datetimeFigureOut">
               <a:rPr lang="en-US" smtClean="0"/>
               <a:pPr/>
-              <a:t>6/23/16</a:t>
+              <a:t>7/13/16</a:t>
             </a:fld>
             <a:endParaRPr lang="en-US"/>
           </a:p>
@@ -5401,7 +5391,7 @@
             <a:fld id="{0459C166-16D3-4A25-A2F8-C51E0E346B22}" type="datetimeFigureOut">
               <a:rPr lang="en-US" smtClean="0"/>
               <a:pPr/>
-              <a:t>6/23/16</a:t>
+              <a:t>7/13/16</a:t>
             </a:fld>
             <a:endParaRPr lang="en-US"/>
           </a:p>
@@ -5678,7 +5668,7 @@
             <a:fld id="{0459C166-16D3-4A25-A2F8-C51E0E346B22}" type="datetimeFigureOut">
               <a:rPr lang="en-US" smtClean="0"/>
               <a:pPr/>
-              <a:t>6/23/16</a:t>
+              <a:t>7/13/16</a:t>
             </a:fld>
             <a:endParaRPr lang="en-US"/>
           </a:p>
@@ -5932,7 +5922,7 @@
             <a:fld id="{0459C166-16D3-4A25-A2F8-C51E0E346B22}" type="datetimeFigureOut">
               <a:rPr lang="en-US" smtClean="0"/>
               <a:pPr/>
-              <a:t>6/23/16</a:t>
+              <a:t>7/13/16</a:t>
             </a:fld>
             <a:endParaRPr lang="en-US"/>
           </a:p>
@@ -6102,7 +6092,7 @@
             <a:fld id="{0459C166-16D3-4A25-A2F8-C51E0E346B22}" type="datetimeFigureOut">
               <a:rPr lang="en-US" smtClean="0"/>
               <a:pPr/>
-              <a:t>6/23/16</a:t>
+              <a:t>7/13/16</a:t>
             </a:fld>
             <a:endParaRPr lang="en-US"/>
           </a:p>
@@ -6282,7 +6272,7 @@
             <a:fld id="{0459C166-16D3-4A25-A2F8-C51E0E346B22}" type="datetimeFigureOut">
               <a:rPr lang="en-US" smtClean="0"/>
               <a:pPr/>
-              <a:t>6/23/16</a:t>
+              <a:t>7/13/16</a:t>
             </a:fld>
             <a:endParaRPr lang="en-US"/>
           </a:p>
@@ -6955,7 +6945,7 @@
             <a:fld id="{0459C166-16D3-4A25-A2F8-C51E0E346B22}" type="datetimeFigureOut">
               <a:rPr lang="en-US" smtClean="0"/>
               <a:pPr/>
-              <a:t>6/23/16</a:t>
+              <a:t>7/13/16</a:t>
             </a:fld>
             <a:endParaRPr lang="en-US"/>
           </a:p>
@@ -12224,7 +12214,7 @@
             <a:fld id="{0459C166-16D3-4A25-A2F8-C51E0E346B22}" type="datetimeFigureOut">
               <a:rPr lang="en-US" smtClean="0"/>
               <a:pPr/>
-              <a:t>6/23/16</a:t>
+              <a:t>7/13/16</a:t>
             </a:fld>
             <a:endParaRPr lang="en-US"/>
           </a:p>
@@ -17169,7 +17159,7 @@
                 <a:latin typeface="Segoe UI"/>
               </a:rPr>
               <a:pPr/>
-              <a:t>6/23/16</a:t>
+              <a:t>7/13/16</a:t>
             </a:fld>
             <a:endParaRPr lang="en-US">
               <a:solidFill>
@@ -17669,7 +17659,7 @@
             <a:fld id="{0459C166-16D3-4A25-A2F8-C51E0E346B22}" type="datetimeFigureOut">
               <a:rPr lang="en-US" smtClean="0"/>
               <a:pPr/>
-              <a:t>6/23/16</a:t>
+              <a:t>7/13/16</a:t>
             </a:fld>
             <a:endParaRPr lang="en-US"/>
           </a:p>
@@ -18063,7 +18053,7 @@
             <a:fld id="{0459C166-16D3-4A25-A2F8-C51E0E346B22}" type="datetimeFigureOut">
               <a:rPr lang="en-US" smtClean="0"/>
               <a:pPr/>
-              <a:t>6/23/16</a:t>
+              <a:t>7/13/16</a:t>
             </a:fld>
             <a:endParaRPr lang="en-US"/>
           </a:p>
@@ -19026,7 +19016,7 @@
             <a:fld id="{0459C166-16D3-4A25-A2F8-C51E0E346B22}" type="datetimeFigureOut">
               <a:rPr lang="en-US" smtClean="0"/>
               <a:pPr/>
-              <a:t>6/23/16</a:t>
+              <a:t>7/13/16</a:t>
             </a:fld>
             <a:endParaRPr lang="en-US"/>
           </a:p>
@@ -19239,7 +19229,7 @@
             <a:fld id="{0459C166-16D3-4A25-A2F8-C51E0E346B22}" type="datetimeFigureOut">
               <a:rPr lang="en-US" smtClean="0"/>
               <a:pPr/>
-              <a:t>6/23/16</a:t>
+              <a:t>7/13/16</a:t>
             </a:fld>
             <a:endParaRPr lang="en-US"/>
           </a:p>
@@ -26833,7 +26823,7 @@
                 <a:gridCol w="888999">
                   <a:extLst>
                     <a:ext uri="{9D8B030D-6E8A-4147-A177-3AD203B41FA5}">
-                      <a16:colId xmlns="" xmlns:a16="http://schemas.microsoft.com/office/drawing/2014/main" val="48614039"/>
+                      <a16:colId xmlns:a16="http://schemas.microsoft.com/office/drawing/2014/main" xmlns="" val="48614039"/>
                     </a:ext>
                   </a:extLst>
                 </a:gridCol>
@@ -26868,7 +26858,7 @@
                 </a:tc>
                 <a:extLst>
                   <a:ext uri="{0D108BD9-81ED-4DB2-BD59-A6C34878D82A}">
-                    <a16:rowId xmlns="" xmlns:a16="http://schemas.microsoft.com/office/drawing/2014/main" val="679667022"/>
+                    <a16:rowId xmlns:a16="http://schemas.microsoft.com/office/drawing/2014/main" xmlns="" val="679667022"/>
                   </a:ext>
                 </a:extLst>
               </a:tr>
@@ -26895,7 +26885,7 @@
                 </a:tc>
                 <a:extLst>
                   <a:ext uri="{0D108BD9-81ED-4DB2-BD59-A6C34878D82A}">
-                    <a16:rowId xmlns="" xmlns:a16="http://schemas.microsoft.com/office/drawing/2014/main" val="2034482246"/>
+                    <a16:rowId xmlns:a16="http://schemas.microsoft.com/office/drawing/2014/main" xmlns="" val="2034482246"/>
                   </a:ext>
                 </a:extLst>
               </a:tr>
@@ -26923,7 +26913,7 @@
                 </a:tc>
                 <a:extLst>
                   <a:ext uri="{0D108BD9-81ED-4DB2-BD59-A6C34878D82A}">
-                    <a16:rowId xmlns="" xmlns:a16="http://schemas.microsoft.com/office/drawing/2014/main" val="682465758"/>
+                    <a16:rowId xmlns:a16="http://schemas.microsoft.com/office/drawing/2014/main" xmlns="" val="682465758"/>
                   </a:ext>
                 </a:extLst>
               </a:tr>
@@ -26951,7 +26941,7 @@
                 </a:tc>
                 <a:extLst>
                   <a:ext uri="{0D108BD9-81ED-4DB2-BD59-A6C34878D82A}">
-                    <a16:rowId xmlns="" xmlns:a16="http://schemas.microsoft.com/office/drawing/2014/main" val="4230228483"/>
+                    <a16:rowId xmlns:a16="http://schemas.microsoft.com/office/drawing/2014/main" xmlns="" val="4230228483"/>
                   </a:ext>
                 </a:extLst>
               </a:tr>
@@ -27039,7 +27029,7 @@
                 <a:gridCol w="992163">
                   <a:extLst>
                     <a:ext uri="{9D8B030D-6E8A-4147-A177-3AD203B41FA5}">
-                      <a16:colId xmlns="" xmlns:a16="http://schemas.microsoft.com/office/drawing/2014/main" val="48614039"/>
+                      <a16:colId xmlns:a16="http://schemas.microsoft.com/office/drawing/2014/main" xmlns="" val="48614039"/>
                     </a:ext>
                   </a:extLst>
                 </a:gridCol>
@@ -27074,7 +27064,7 @@
                 </a:tc>
                 <a:extLst>
                   <a:ext uri="{0D108BD9-81ED-4DB2-BD59-A6C34878D82A}">
-                    <a16:rowId xmlns="" xmlns:a16="http://schemas.microsoft.com/office/drawing/2014/main" val="679667022"/>
+                    <a16:rowId xmlns:a16="http://schemas.microsoft.com/office/drawing/2014/main" xmlns="" val="679667022"/>
                   </a:ext>
                 </a:extLst>
               </a:tr>
@@ -27102,7 +27092,7 @@
                 </a:tc>
                 <a:extLst>
                   <a:ext uri="{0D108BD9-81ED-4DB2-BD59-A6C34878D82A}">
-                    <a16:rowId xmlns="" xmlns:a16="http://schemas.microsoft.com/office/drawing/2014/main" val="2034482246"/>
+                    <a16:rowId xmlns:a16="http://schemas.microsoft.com/office/drawing/2014/main" xmlns="" val="2034482246"/>
                   </a:ext>
                 </a:extLst>
               </a:tr>
@@ -27130,7 +27120,7 @@
                 </a:tc>
                 <a:extLst>
                   <a:ext uri="{0D108BD9-81ED-4DB2-BD59-A6C34878D82A}">
-                    <a16:rowId xmlns="" xmlns:a16="http://schemas.microsoft.com/office/drawing/2014/main" val="682465758"/>
+                    <a16:rowId xmlns:a16="http://schemas.microsoft.com/office/drawing/2014/main" xmlns="" val="682465758"/>
                   </a:ext>
                 </a:extLst>
               </a:tr>
@@ -27158,7 +27148,7 @@
                 </a:tc>
                 <a:extLst>
                   <a:ext uri="{0D108BD9-81ED-4DB2-BD59-A6C34878D82A}">
-                    <a16:rowId xmlns="" xmlns:a16="http://schemas.microsoft.com/office/drawing/2014/main" val="4230228483"/>
+                    <a16:rowId xmlns:a16="http://schemas.microsoft.com/office/drawing/2014/main" xmlns="" val="4230228483"/>
                   </a:ext>
                 </a:extLst>
               </a:tr>
@@ -27194,7 +27184,7 @@
                 <a:gridCol w="969264">
                   <a:extLst>
                     <a:ext uri="{9D8B030D-6E8A-4147-A177-3AD203B41FA5}">
-                      <a16:colId xmlns="" xmlns:a16="http://schemas.microsoft.com/office/drawing/2014/main" val="48614039"/>
+                      <a16:colId xmlns:a16="http://schemas.microsoft.com/office/drawing/2014/main" xmlns="" val="48614039"/>
                     </a:ext>
                   </a:extLst>
                 </a:gridCol>
@@ -27229,7 +27219,7 @@
                 </a:tc>
                 <a:extLst>
                   <a:ext uri="{0D108BD9-81ED-4DB2-BD59-A6C34878D82A}">
-                    <a16:rowId xmlns="" xmlns:a16="http://schemas.microsoft.com/office/drawing/2014/main" val="679667022"/>
+                    <a16:rowId xmlns:a16="http://schemas.microsoft.com/office/drawing/2014/main" xmlns="" val="679667022"/>
                   </a:ext>
                 </a:extLst>
               </a:tr>
@@ -27256,7 +27246,7 @@
                 </a:tc>
                 <a:extLst>
                   <a:ext uri="{0D108BD9-81ED-4DB2-BD59-A6C34878D82A}">
-                    <a16:rowId xmlns="" xmlns:a16="http://schemas.microsoft.com/office/drawing/2014/main" val="2034482246"/>
+                    <a16:rowId xmlns:a16="http://schemas.microsoft.com/office/drawing/2014/main" xmlns="" val="2034482246"/>
                   </a:ext>
                 </a:extLst>
               </a:tr>
@@ -27284,7 +27274,7 @@
                 </a:tc>
                 <a:extLst>
                   <a:ext uri="{0D108BD9-81ED-4DB2-BD59-A6C34878D82A}">
-                    <a16:rowId xmlns="" xmlns:a16="http://schemas.microsoft.com/office/drawing/2014/main" val="682465758"/>
+                    <a16:rowId xmlns:a16="http://schemas.microsoft.com/office/drawing/2014/main" xmlns="" val="682465758"/>
                   </a:ext>
                 </a:extLst>
               </a:tr>
@@ -27312,7 +27302,7 @@
                 </a:tc>
                 <a:extLst>
                   <a:ext uri="{0D108BD9-81ED-4DB2-BD59-A6C34878D82A}">
-                    <a16:rowId xmlns="" xmlns:a16="http://schemas.microsoft.com/office/drawing/2014/main" val="4230228483"/>
+                    <a16:rowId xmlns:a16="http://schemas.microsoft.com/office/drawing/2014/main" xmlns="" val="4230228483"/>
                   </a:ext>
                 </a:extLst>
               </a:tr>
@@ -28231,7 +28221,7 @@
                 <a:gridCol w="710788">
                   <a:extLst>
                     <a:ext uri="{9D8B030D-6E8A-4147-A177-3AD203B41FA5}">
-                      <a16:colId xmlns="" xmlns:a16="http://schemas.microsoft.com/office/drawing/2014/main" val="48614039"/>
+                      <a16:colId xmlns:a16="http://schemas.microsoft.com/office/drawing/2014/main" xmlns="" val="48614039"/>
                     </a:ext>
                   </a:extLst>
                 </a:gridCol>
@@ -28266,7 +28256,7 @@
                 </a:tc>
                 <a:extLst>
                   <a:ext uri="{0D108BD9-81ED-4DB2-BD59-A6C34878D82A}">
-                    <a16:rowId xmlns="" xmlns:a16="http://schemas.microsoft.com/office/drawing/2014/main" val="679667022"/>
+                    <a16:rowId xmlns:a16="http://schemas.microsoft.com/office/drawing/2014/main" xmlns="" val="679667022"/>
                   </a:ext>
                 </a:extLst>
               </a:tr>
@@ -28293,7 +28283,7 @@
                 </a:tc>
                 <a:extLst>
                   <a:ext uri="{0D108BD9-81ED-4DB2-BD59-A6C34878D82A}">
-                    <a16:rowId xmlns="" xmlns:a16="http://schemas.microsoft.com/office/drawing/2014/main" val="2034482246"/>
+                    <a16:rowId xmlns:a16="http://schemas.microsoft.com/office/drawing/2014/main" xmlns="" val="2034482246"/>
                   </a:ext>
                 </a:extLst>
               </a:tr>
@@ -28321,7 +28311,7 @@
                 </a:tc>
                 <a:extLst>
                   <a:ext uri="{0D108BD9-81ED-4DB2-BD59-A6C34878D82A}">
-                    <a16:rowId xmlns="" xmlns:a16="http://schemas.microsoft.com/office/drawing/2014/main" val="682465758"/>
+                    <a16:rowId xmlns:a16="http://schemas.microsoft.com/office/drawing/2014/main" xmlns="" val="682465758"/>
                   </a:ext>
                 </a:extLst>
               </a:tr>
@@ -28349,7 +28339,7 @@
                 </a:tc>
                 <a:extLst>
                   <a:ext uri="{0D108BD9-81ED-4DB2-BD59-A6C34878D82A}">
-                    <a16:rowId xmlns="" xmlns:a16="http://schemas.microsoft.com/office/drawing/2014/main" val="4230228483"/>
+                    <a16:rowId xmlns:a16="http://schemas.microsoft.com/office/drawing/2014/main" xmlns="" val="4230228483"/>
                   </a:ext>
                 </a:extLst>
               </a:tr>
@@ -28437,7 +28427,7 @@
                 <a:gridCol w="774095">
                   <a:extLst>
                     <a:ext uri="{9D8B030D-6E8A-4147-A177-3AD203B41FA5}">
-                      <a16:colId xmlns="" xmlns:a16="http://schemas.microsoft.com/office/drawing/2014/main" val="48614039"/>
+                      <a16:colId xmlns:a16="http://schemas.microsoft.com/office/drawing/2014/main" xmlns="" val="48614039"/>
                     </a:ext>
                   </a:extLst>
                 </a:gridCol>
@@ -28472,7 +28462,7 @@
                 </a:tc>
                 <a:extLst>
                   <a:ext uri="{0D108BD9-81ED-4DB2-BD59-A6C34878D82A}">
-                    <a16:rowId xmlns="" xmlns:a16="http://schemas.microsoft.com/office/drawing/2014/main" val="679667022"/>
+                    <a16:rowId xmlns:a16="http://schemas.microsoft.com/office/drawing/2014/main" xmlns="" val="679667022"/>
                   </a:ext>
                 </a:extLst>
               </a:tr>
@@ -28500,7 +28490,7 @@
                 </a:tc>
                 <a:extLst>
                   <a:ext uri="{0D108BD9-81ED-4DB2-BD59-A6C34878D82A}">
-                    <a16:rowId xmlns="" xmlns:a16="http://schemas.microsoft.com/office/drawing/2014/main" val="2034482246"/>
+                    <a16:rowId xmlns:a16="http://schemas.microsoft.com/office/drawing/2014/main" xmlns="" val="2034482246"/>
                   </a:ext>
                 </a:extLst>
               </a:tr>
@@ -28528,7 +28518,7 @@
                 </a:tc>
                 <a:extLst>
                   <a:ext uri="{0D108BD9-81ED-4DB2-BD59-A6C34878D82A}">
-                    <a16:rowId xmlns="" xmlns:a16="http://schemas.microsoft.com/office/drawing/2014/main" val="682465758"/>
+                    <a16:rowId xmlns:a16="http://schemas.microsoft.com/office/drawing/2014/main" xmlns="" val="682465758"/>
                   </a:ext>
                 </a:extLst>
               </a:tr>
@@ -28556,7 +28546,7 @@
                 </a:tc>
                 <a:extLst>
                   <a:ext uri="{0D108BD9-81ED-4DB2-BD59-A6C34878D82A}">
-                    <a16:rowId xmlns="" xmlns:a16="http://schemas.microsoft.com/office/drawing/2014/main" val="4230228483"/>
+                    <a16:rowId xmlns:a16="http://schemas.microsoft.com/office/drawing/2014/main" xmlns="" val="4230228483"/>
                   </a:ext>
                 </a:extLst>
               </a:tr>
@@ -28592,7 +28582,7 @@
                 <a:gridCol w="621911">
                   <a:extLst>
                     <a:ext uri="{9D8B030D-6E8A-4147-A177-3AD203B41FA5}">
-                      <a16:colId xmlns="" xmlns:a16="http://schemas.microsoft.com/office/drawing/2014/main" val="48614039"/>
+                      <a16:colId xmlns:a16="http://schemas.microsoft.com/office/drawing/2014/main" xmlns="" val="48614039"/>
                     </a:ext>
                   </a:extLst>
                 </a:gridCol>
@@ -28627,7 +28617,7 @@
                 </a:tc>
                 <a:extLst>
                   <a:ext uri="{0D108BD9-81ED-4DB2-BD59-A6C34878D82A}">
-                    <a16:rowId xmlns="" xmlns:a16="http://schemas.microsoft.com/office/drawing/2014/main" val="679667022"/>
+                    <a16:rowId xmlns:a16="http://schemas.microsoft.com/office/drawing/2014/main" xmlns="" val="679667022"/>
                   </a:ext>
                 </a:extLst>
               </a:tr>
@@ -28654,7 +28644,7 @@
                 </a:tc>
                 <a:extLst>
                   <a:ext uri="{0D108BD9-81ED-4DB2-BD59-A6C34878D82A}">
-                    <a16:rowId xmlns="" xmlns:a16="http://schemas.microsoft.com/office/drawing/2014/main" val="2034482246"/>
+                    <a16:rowId xmlns:a16="http://schemas.microsoft.com/office/drawing/2014/main" xmlns="" val="2034482246"/>
                   </a:ext>
                 </a:extLst>
               </a:tr>
@@ -28682,7 +28672,7 @@
                 </a:tc>
                 <a:extLst>
                   <a:ext uri="{0D108BD9-81ED-4DB2-BD59-A6C34878D82A}">
-                    <a16:rowId xmlns="" xmlns:a16="http://schemas.microsoft.com/office/drawing/2014/main" val="682465758"/>
+                    <a16:rowId xmlns:a16="http://schemas.microsoft.com/office/drawing/2014/main" xmlns="" val="682465758"/>
                   </a:ext>
                 </a:extLst>
               </a:tr>
@@ -28710,7 +28700,7 @@
                 </a:tc>
                 <a:extLst>
                   <a:ext uri="{0D108BD9-81ED-4DB2-BD59-A6C34878D82A}">
-                    <a16:rowId xmlns="" xmlns:a16="http://schemas.microsoft.com/office/drawing/2014/main" val="4230228483"/>
+                    <a16:rowId xmlns:a16="http://schemas.microsoft.com/office/drawing/2014/main" xmlns="" val="4230228483"/>
                   </a:ext>
                 </a:extLst>
               </a:tr>
@@ -30968,7 +30958,7 @@
   <a:extraClrSchemeLst/>
   <a:extLst>
     <a:ext uri="{05A4C25C-085E-4340-85A3-A5531E510DB2}">
-      <thm15:themeFamily xmlns:thm15="http://schemas.microsoft.com/office/thememl/2012/main" xmlns="" name="Office Theme" id="{62F939B6-93AF-4DB8-9C6B-D6C7DFDC589F}" vid="{4A3C46E8-61CC-4603-A589-7422A47A8E4A}"/>
+      <thm15:themeFamily xmlns="" xmlns:thm15="http://schemas.microsoft.com/office/thememl/2012/main" name="Office Theme" id="{62F939B6-93AF-4DB8-9C6B-D6C7DFDC589F}" vid="{4A3C46E8-61CC-4603-A589-7422A47A8E4A}"/>
     </a:ext>
   </a:extLst>
 </a:theme>
@@ -31301,7 +31291,7 @@
   <a:extraClrSchemeLst/>
   <a:extLst>
     <a:ext uri="{05A4C25C-085E-4340-85A3-A5531E510DB2}">
-      <thm15:themeFamily xmlns="" xmlns:thm15="http://schemas.microsoft.com/office/thememl/2012/main" name="Azure4ResearchTemplate" id="{DD1C6CE8-BDBA-0D4F-9930-3643ABC8EF0E}" vid="{B5C66FD7-0952-994B-96D6-AB3BB89097FE}"/>
+      <thm15:themeFamily xmlns:thm15="http://schemas.microsoft.com/office/thememl/2012/main" xmlns="" name="Azure4ResearchTemplate" id="{DD1C6CE8-BDBA-0D4F-9930-3643ABC8EF0E}" vid="{B5C66FD7-0952-994B-96D6-AB3BB89097FE}"/>
     </a:ext>
   </a:extLst>
 </a:theme>
@@ -31596,7 +31586,7 @@
   <a:extraClrSchemeLst/>
   <a:extLst>
     <a:ext uri="{05A4C25C-085E-4340-85A3-A5531E510DB2}">
-      <thm15:themeFamily xmlns:thm15="http://schemas.microsoft.com/office/thememl/2012/main" xmlns="" name="Office Theme" id="{62F939B6-93AF-4DB8-9C6B-D6C7DFDC589F}" vid="{4A3C46E8-61CC-4603-A589-7422A47A8E4A}"/>
+      <thm15:themeFamily xmlns="" xmlns:thm15="http://schemas.microsoft.com/office/thememl/2012/main" name="Office Theme" id="{62F939B6-93AF-4DB8-9C6B-D6C7DFDC589F}" vid="{4A3C46E8-61CC-4603-A589-7422A47A8E4A}"/>
     </a:ext>
   </a:extLst>
 </a:theme>
